--- a/IBM Data Science Capstone Project-PowerPoint.pptx
+++ b/IBM Data Science Capstone Project-PowerPoint.pptx
@@ -4,13 +4,16 @@
   <p:sldMasterIdLst>
     <p:sldMasterId id="2147483660" r:id="rId4"/>
   </p:sldMasterIdLst>
+  <p:notesMasterIdLst>
+    <p:notesMasterId r:id="rId13"/>
+  </p:notesMasterIdLst>
   <p:sldIdLst>
     <p:sldId id="280" r:id="rId5"/>
     <p:sldId id="281" r:id="rId6"/>
     <p:sldId id="282" r:id="rId7"/>
     <p:sldId id="283" r:id="rId8"/>
     <p:sldId id="284" r:id="rId9"/>
-    <p:sldId id="285" r:id="rId10"/>
+    <p:sldId id="288" r:id="rId10"/>
     <p:sldId id="286" r:id="rId11"/>
     <p:sldId id="287" r:id="rId12"/>
   </p:sldIdLst>
@@ -122,7 +125,7 @@
 <file path=ppt/revisionInfo.xml><?xml version="1.0" encoding="utf-8"?>
 <p1510:revInfo xmlns:a="http://schemas.openxmlformats.org/drawingml/2006/main" xmlns:r="http://schemas.openxmlformats.org/officeDocument/2006/relationships" xmlns:p1510="http://schemas.microsoft.com/office/powerpoint/2015/10/main">
   <p1510:revLst>
-    <p1510:client id="{CB09F80C-40B8-4CE8-B908-C13440D36BCE}" v="12" dt="2020-09-02T02:19:37.836"/>
+    <p1510:client id="{CB09F80C-40B8-4CE8-B908-C13440D36BCE}" v="20" dt="2020-09-02T05:34:22.559"/>
   </p1510:revLst>
 </p1510:revInfo>
 </file>
@@ -131,8 +134,8 @@
 <pc:chgInfo xmlns:a="http://schemas.openxmlformats.org/drawingml/2006/main" xmlns:r="http://schemas.openxmlformats.org/officeDocument/2006/relationships" xmlns:ac="http://schemas.microsoft.com/office/drawing/2013/main/command" xmlns:pc="http://schemas.microsoft.com/office/powerpoint/2013/main/command">
   <pc:docChgLst>
     <pc:chgData name="june wang" userId="8b0d0ca821eaeac6" providerId="LiveId" clId="{CB09F80C-40B8-4CE8-B908-C13440D36BCE}"/>
-    <pc:docChg chg="undo custSel addSld modSld">
-      <pc:chgData name="june wang" userId="8b0d0ca821eaeac6" providerId="LiveId" clId="{CB09F80C-40B8-4CE8-B908-C13440D36BCE}" dt="2020-09-02T02:21:12.908" v="2803" actId="5793"/>
+    <pc:docChg chg="undo custSel mod addSld delSld modSld">
+      <pc:chgData name="june wang" userId="8b0d0ca821eaeac6" providerId="LiveId" clId="{CB09F80C-40B8-4CE8-B908-C13440D36BCE}" dt="2020-09-02T05:35:15.795" v="3447" actId="47"/>
       <pc:docMkLst>
         <pc:docMk/>
       </pc:docMkLst>
@@ -213,8 +216,8 @@
           </ac:spMkLst>
         </pc:spChg>
       </pc:sldChg>
-      <pc:sldChg chg="modSp new mod">
-        <pc:chgData name="june wang" userId="8b0d0ca821eaeac6" providerId="LiveId" clId="{CB09F80C-40B8-4CE8-B908-C13440D36BCE}" dt="2020-09-02T02:06:13.659" v="2422" actId="27636"/>
+      <pc:sldChg chg="addSp delSp modSp new mod">
+        <pc:chgData name="june wang" userId="8b0d0ca821eaeac6" providerId="LiveId" clId="{CB09F80C-40B8-4CE8-B908-C13440D36BCE}" dt="2020-09-02T05:32:50.471" v="2830"/>
         <pc:sldMkLst>
           <pc:docMk/>
           <pc:sldMk cId="2545166670" sldId="284"/>
@@ -228,22 +231,46 @@
           </ac:spMkLst>
         </pc:spChg>
         <pc:spChg chg="mod">
-          <ac:chgData name="june wang" userId="8b0d0ca821eaeac6" providerId="LiveId" clId="{CB09F80C-40B8-4CE8-B908-C13440D36BCE}" dt="2020-09-02T02:06:13.659" v="2422" actId="27636"/>
+          <ac:chgData name="june wang" userId="8b0d0ca821eaeac6" providerId="LiveId" clId="{CB09F80C-40B8-4CE8-B908-C13440D36BCE}" dt="2020-09-02T05:30:20.795" v="2810" actId="5793"/>
           <ac:spMkLst>
             <pc:docMk/>
             <pc:sldMk cId="2545166670" sldId="284"/>
             <ac:spMk id="3" creationId="{5B315E42-5CB6-41A5-B37A-DBF85853AFC7}"/>
           </ac:spMkLst>
         </pc:spChg>
+        <pc:picChg chg="add del">
+          <ac:chgData name="june wang" userId="8b0d0ca821eaeac6" providerId="LiveId" clId="{CB09F80C-40B8-4CE8-B908-C13440D36BCE}" dt="2020-09-02T05:30:10.531" v="2807"/>
+          <ac:picMkLst>
+            <pc:docMk/>
+            <pc:sldMk cId="2545166670" sldId="284"/>
+            <ac:picMk id="4" creationId="{83613960-3FF2-4ECF-A970-872D0A9A03B1}"/>
+          </ac:picMkLst>
+        </pc:picChg>
+        <pc:picChg chg="add del mod">
+          <ac:chgData name="june wang" userId="8b0d0ca821eaeac6" providerId="LiveId" clId="{CB09F80C-40B8-4CE8-B908-C13440D36BCE}" dt="2020-09-02T05:32:50.471" v="2830"/>
+          <ac:picMkLst>
+            <pc:docMk/>
+            <pc:sldMk cId="2545166670" sldId="284"/>
+            <ac:picMk id="4" creationId="{D0CC3D29-0532-4006-B97D-7F5CA6BEADEF}"/>
+          </ac:picMkLst>
+        </pc:picChg>
+        <pc:picChg chg="add del mod">
+          <ac:chgData name="june wang" userId="8b0d0ca821eaeac6" providerId="LiveId" clId="{CB09F80C-40B8-4CE8-B908-C13440D36BCE}" dt="2020-09-02T05:31:32.029" v="2820"/>
+          <ac:picMkLst>
+            <pc:docMk/>
+            <pc:sldMk cId="2545166670" sldId="284"/>
+            <ac:picMk id="5" creationId="{1859B13B-BEB2-4B8D-BEBC-9F365D1F332C}"/>
+          </ac:picMkLst>
+        </pc:picChg>
       </pc:sldChg>
-      <pc:sldChg chg="modSp new mod">
-        <pc:chgData name="june wang" userId="8b0d0ca821eaeac6" providerId="LiveId" clId="{CB09F80C-40B8-4CE8-B908-C13440D36BCE}" dt="2020-09-02T02:09:15.663" v="2459" actId="12"/>
+      <pc:sldChg chg="addSp modSp new del mod">
+        <pc:chgData name="june wang" userId="8b0d0ca821eaeac6" providerId="LiveId" clId="{CB09F80C-40B8-4CE8-B908-C13440D36BCE}" dt="2020-09-02T05:35:15.795" v="3447" actId="47"/>
         <pc:sldMkLst>
           <pc:docMk/>
           <pc:sldMk cId="879669480" sldId="285"/>
         </pc:sldMkLst>
         <pc:spChg chg="mod">
-          <ac:chgData name="june wang" userId="8b0d0ca821eaeac6" providerId="LiveId" clId="{CB09F80C-40B8-4CE8-B908-C13440D36BCE}" dt="2020-09-02T02:06:56.432" v="2440" actId="20577"/>
+          <ac:chgData name="june wang" userId="8b0d0ca821eaeac6" providerId="LiveId" clId="{CB09F80C-40B8-4CE8-B908-C13440D36BCE}" dt="2020-09-02T05:33:34.717" v="3415" actId="1076"/>
           <ac:spMkLst>
             <pc:docMk/>
             <pc:sldMk cId="879669480" sldId="285"/>
@@ -251,13 +278,21 @@
           </ac:spMkLst>
         </pc:spChg>
         <pc:spChg chg="mod">
-          <ac:chgData name="june wang" userId="8b0d0ca821eaeac6" providerId="LiveId" clId="{CB09F80C-40B8-4CE8-B908-C13440D36BCE}" dt="2020-09-02T02:09:15.663" v="2459" actId="12"/>
+          <ac:chgData name="june wang" userId="8b0d0ca821eaeac6" providerId="LiveId" clId="{CB09F80C-40B8-4CE8-B908-C13440D36BCE}" dt="2020-09-02T05:33:23.928" v="3412" actId="5793"/>
           <ac:spMkLst>
             <pc:docMk/>
             <pc:sldMk cId="879669480" sldId="285"/>
             <ac:spMk id="3" creationId="{371C8BEF-B8DF-474E-99AF-1651A42082AD}"/>
           </ac:spMkLst>
         </pc:spChg>
+        <pc:picChg chg="add mod">
+          <ac:chgData name="june wang" userId="8b0d0ca821eaeac6" providerId="LiveId" clId="{CB09F80C-40B8-4CE8-B908-C13440D36BCE}" dt="2020-09-02T05:33:50.771" v="3418" actId="14100"/>
+          <ac:picMkLst>
+            <pc:docMk/>
+            <pc:sldMk cId="879669480" sldId="285"/>
+            <ac:picMk id="4" creationId="{C9A32099-F7B2-4930-BADF-922D98F8209D}"/>
+          </ac:picMkLst>
+        </pc:picChg>
       </pc:sldChg>
       <pc:sldChg chg="modSp new mod">
         <pc:chgData name="june wang" userId="8b0d0ca821eaeac6" providerId="LiveId" clId="{CB09F80C-40B8-4CE8-B908-C13440D36BCE}" dt="2020-09-02T02:18:20.637" v="2754" actId="207"/>
@@ -305,9 +340,482 @@
           </ac:spMkLst>
         </pc:spChg>
       </pc:sldChg>
+      <pc:sldChg chg="addSp modSp new mod setBg">
+        <pc:chgData name="june wang" userId="8b0d0ca821eaeac6" providerId="LiveId" clId="{CB09F80C-40B8-4CE8-B908-C13440D36BCE}" dt="2020-09-02T05:35:04.003" v="3446" actId="20577"/>
+        <pc:sldMkLst>
+          <pc:docMk/>
+          <pc:sldMk cId="1805626447" sldId="288"/>
+        </pc:sldMkLst>
+        <pc:spChg chg="mod">
+          <ac:chgData name="june wang" userId="8b0d0ca821eaeac6" providerId="LiveId" clId="{CB09F80C-40B8-4CE8-B908-C13440D36BCE}" dt="2020-09-02T05:35:04.003" v="3446" actId="20577"/>
+          <ac:spMkLst>
+            <pc:docMk/>
+            <pc:sldMk cId="1805626447" sldId="288"/>
+            <ac:spMk id="2" creationId="{1E8E4092-0D2D-4C2E-BA32-946BB71274D0}"/>
+          </ac:spMkLst>
+        </pc:spChg>
+        <pc:spChg chg="add">
+          <ac:chgData name="june wang" userId="8b0d0ca821eaeac6" providerId="LiveId" clId="{CB09F80C-40B8-4CE8-B908-C13440D36BCE}" dt="2020-09-02T05:34:46.659" v="3427" actId="26606"/>
+          <ac:spMkLst>
+            <pc:docMk/>
+            <pc:sldMk cId="1805626447" sldId="288"/>
+            <ac:spMk id="8" creationId="{1E70A317-DCED-4E80-AA2D-467D8702E5CB}"/>
+          </ac:spMkLst>
+        </pc:spChg>
+        <pc:spChg chg="add">
+          <ac:chgData name="june wang" userId="8b0d0ca821eaeac6" providerId="LiveId" clId="{CB09F80C-40B8-4CE8-B908-C13440D36BCE}" dt="2020-09-02T05:34:46.659" v="3427" actId="26606"/>
+          <ac:spMkLst>
+            <pc:docMk/>
+            <pc:sldMk cId="1805626447" sldId="288"/>
+            <ac:spMk id="10" creationId="{A6D87845-294F-40CB-BC48-46455460D292}"/>
+          </ac:spMkLst>
+        </pc:spChg>
+        <pc:picChg chg="add mod">
+          <ac:chgData name="june wang" userId="8b0d0ca821eaeac6" providerId="LiveId" clId="{CB09F80C-40B8-4CE8-B908-C13440D36BCE}" dt="2020-09-02T05:34:46.659" v="3427" actId="26606"/>
+          <ac:picMkLst>
+            <pc:docMk/>
+            <pc:sldMk cId="1805626447" sldId="288"/>
+            <ac:picMk id="3" creationId="{E70BF35A-069D-412A-80B4-212F77D563CC}"/>
+          </ac:picMkLst>
+        </pc:picChg>
+      </pc:sldChg>
     </pc:docChg>
   </pc:docChgLst>
 </pc:chgInfo>
+</file>
+
+<file path=ppt/notesMasters/notesMaster1.xml><?xml version="1.0" encoding="utf-8"?>
+<p:notesMaster xmlns:a="http://schemas.openxmlformats.org/drawingml/2006/main" xmlns:r="http://schemas.openxmlformats.org/officeDocument/2006/relationships" xmlns:p="http://schemas.openxmlformats.org/presentationml/2006/main">
+  <p:cSld>
+    <p:bg>
+      <p:bgRef idx="1001">
+        <a:schemeClr val="bg1"/>
+      </p:bgRef>
+    </p:bg>
+    <p:spTree>
+      <p:nvGrpSpPr>
+        <p:cNvPr id="1" name=""/>
+        <p:cNvGrpSpPr/>
+        <p:nvPr/>
+      </p:nvGrpSpPr>
+      <p:grpSpPr>
+        <a:xfrm>
+          <a:off x="0" y="0"/>
+          <a:ext cx="0" cy="0"/>
+          <a:chOff x="0" y="0"/>
+          <a:chExt cx="0" cy="0"/>
+        </a:xfrm>
+      </p:grpSpPr>
+      <p:sp>
+        <p:nvSpPr>
+          <p:cNvPr id="2" name="Header Placeholder 1"/>
+          <p:cNvSpPr>
+            <a:spLocks noGrp="1"/>
+          </p:cNvSpPr>
+          <p:nvPr>
+            <p:ph type="hdr" sz="quarter"/>
+          </p:nvPr>
+        </p:nvSpPr>
+        <p:spPr>
+          <a:xfrm>
+            <a:off x="0" y="0"/>
+            <a:ext cx="2971800" cy="458788"/>
+          </a:xfrm>
+          <a:prstGeom prst="rect">
+            <a:avLst/>
+          </a:prstGeom>
+        </p:spPr>
+        <p:txBody>
+          <a:bodyPr vert="horz" lIns="91440" tIns="45720" rIns="91440" bIns="45720" rtlCol="0"/>
+          <a:lstStyle>
+            <a:lvl1pPr algn="l">
+              <a:defRPr sz="1200"/>
+            </a:lvl1pPr>
+          </a:lstStyle>
+          <a:p>
+            <a:endParaRPr lang="en-CA"/>
+          </a:p>
+        </p:txBody>
+      </p:sp>
+      <p:sp>
+        <p:nvSpPr>
+          <p:cNvPr id="3" name="Date Placeholder 2"/>
+          <p:cNvSpPr>
+            <a:spLocks noGrp="1"/>
+          </p:cNvSpPr>
+          <p:nvPr>
+            <p:ph type="dt" idx="1"/>
+          </p:nvPr>
+        </p:nvSpPr>
+        <p:spPr>
+          <a:xfrm>
+            <a:off x="3884613" y="0"/>
+            <a:ext cx="2971800" cy="458788"/>
+          </a:xfrm>
+          <a:prstGeom prst="rect">
+            <a:avLst/>
+          </a:prstGeom>
+        </p:spPr>
+        <p:txBody>
+          <a:bodyPr vert="horz" lIns="91440" tIns="45720" rIns="91440" bIns="45720" rtlCol="0"/>
+          <a:lstStyle>
+            <a:lvl1pPr algn="r">
+              <a:defRPr sz="1200"/>
+            </a:lvl1pPr>
+          </a:lstStyle>
+          <a:p>
+            <a:fld id="{DE479E90-93AC-4D2C-90BC-938CADA9D10F}" type="datetimeFigureOut">
+              <a:rPr lang="en-CA" smtClean="0"/>
+              <a:t>2020-09-02</a:t>
+            </a:fld>
+            <a:endParaRPr lang="en-CA"/>
+          </a:p>
+        </p:txBody>
+      </p:sp>
+      <p:sp>
+        <p:nvSpPr>
+          <p:cNvPr id="4" name="Slide Image Placeholder 3"/>
+          <p:cNvSpPr>
+            <a:spLocks noGrp="1" noRot="1" noChangeAspect="1"/>
+          </p:cNvSpPr>
+          <p:nvPr>
+            <p:ph type="sldImg" idx="2"/>
+          </p:nvPr>
+        </p:nvSpPr>
+        <p:spPr>
+          <a:xfrm>
+            <a:off x="685800" y="1143000"/>
+            <a:ext cx="5486400" cy="3086100"/>
+          </a:xfrm>
+          <a:prstGeom prst="rect">
+            <a:avLst/>
+          </a:prstGeom>
+          <a:noFill/>
+          <a:ln w="12700">
+            <a:solidFill>
+              <a:prstClr val="black"/>
+            </a:solidFill>
+          </a:ln>
+        </p:spPr>
+        <p:txBody>
+          <a:bodyPr vert="horz" lIns="91440" tIns="45720" rIns="91440" bIns="45720" rtlCol="0" anchor="ctr"/>
+          <a:lstStyle/>
+          <a:p>
+            <a:endParaRPr lang="en-CA"/>
+          </a:p>
+        </p:txBody>
+      </p:sp>
+      <p:sp>
+        <p:nvSpPr>
+          <p:cNvPr id="5" name="Notes Placeholder 4"/>
+          <p:cNvSpPr>
+            <a:spLocks noGrp="1"/>
+          </p:cNvSpPr>
+          <p:nvPr>
+            <p:ph type="body" sz="quarter" idx="3"/>
+          </p:nvPr>
+        </p:nvSpPr>
+        <p:spPr>
+          <a:xfrm>
+            <a:off x="685800" y="4400550"/>
+            <a:ext cx="5486400" cy="3600450"/>
+          </a:xfrm>
+          <a:prstGeom prst="rect">
+            <a:avLst/>
+          </a:prstGeom>
+        </p:spPr>
+        <p:txBody>
+          <a:bodyPr vert="horz" lIns="91440" tIns="45720" rIns="91440" bIns="45720" rtlCol="0"/>
+          <a:lstStyle/>
+          <a:p>
+            <a:pPr lvl="0"/>
+            <a:r>
+              <a:rPr lang="en-US"/>
+              <a:t>Click to edit Master text styles</a:t>
+            </a:r>
+          </a:p>
+          <a:p>
+            <a:pPr lvl="1"/>
+            <a:r>
+              <a:rPr lang="en-US"/>
+              <a:t>Second level</a:t>
+            </a:r>
+          </a:p>
+          <a:p>
+            <a:pPr lvl="2"/>
+            <a:r>
+              <a:rPr lang="en-US"/>
+              <a:t>Third level</a:t>
+            </a:r>
+          </a:p>
+          <a:p>
+            <a:pPr lvl="3"/>
+            <a:r>
+              <a:rPr lang="en-US"/>
+              <a:t>Fourth level</a:t>
+            </a:r>
+          </a:p>
+          <a:p>
+            <a:pPr lvl="4"/>
+            <a:r>
+              <a:rPr lang="en-US"/>
+              <a:t>Fifth level</a:t>
+            </a:r>
+            <a:endParaRPr lang="en-CA"/>
+          </a:p>
+        </p:txBody>
+      </p:sp>
+      <p:sp>
+        <p:nvSpPr>
+          <p:cNvPr id="6" name="Footer Placeholder 5"/>
+          <p:cNvSpPr>
+            <a:spLocks noGrp="1"/>
+          </p:cNvSpPr>
+          <p:nvPr>
+            <p:ph type="ftr" sz="quarter" idx="4"/>
+          </p:nvPr>
+        </p:nvSpPr>
+        <p:spPr>
+          <a:xfrm>
+            <a:off x="0" y="8685213"/>
+            <a:ext cx="2971800" cy="458787"/>
+          </a:xfrm>
+          <a:prstGeom prst="rect">
+            <a:avLst/>
+          </a:prstGeom>
+        </p:spPr>
+        <p:txBody>
+          <a:bodyPr vert="horz" lIns="91440" tIns="45720" rIns="91440" bIns="45720" rtlCol="0" anchor="b"/>
+          <a:lstStyle>
+            <a:lvl1pPr algn="l">
+              <a:defRPr sz="1200"/>
+            </a:lvl1pPr>
+          </a:lstStyle>
+          <a:p>
+            <a:endParaRPr lang="en-CA"/>
+          </a:p>
+        </p:txBody>
+      </p:sp>
+      <p:sp>
+        <p:nvSpPr>
+          <p:cNvPr id="7" name="Slide Number Placeholder 6"/>
+          <p:cNvSpPr>
+            <a:spLocks noGrp="1"/>
+          </p:cNvSpPr>
+          <p:nvPr>
+            <p:ph type="sldNum" sz="quarter" idx="5"/>
+          </p:nvPr>
+        </p:nvSpPr>
+        <p:spPr>
+          <a:xfrm>
+            <a:off x="3884613" y="8685213"/>
+            <a:ext cx="2971800" cy="458787"/>
+          </a:xfrm>
+          <a:prstGeom prst="rect">
+            <a:avLst/>
+          </a:prstGeom>
+        </p:spPr>
+        <p:txBody>
+          <a:bodyPr vert="horz" lIns="91440" tIns="45720" rIns="91440" bIns="45720" rtlCol="0" anchor="b"/>
+          <a:lstStyle>
+            <a:lvl1pPr algn="r">
+              <a:defRPr sz="1200"/>
+            </a:lvl1pPr>
+          </a:lstStyle>
+          <a:p>
+            <a:fld id="{8836A7BA-94C2-4AC4-89A9-2E27AA91FB88}" type="slidenum">
+              <a:rPr lang="en-CA" smtClean="0"/>
+              <a:t>‹#›</a:t>
+            </a:fld>
+            <a:endParaRPr lang="en-CA"/>
+          </a:p>
+        </p:txBody>
+      </p:sp>
+    </p:spTree>
+    <p:extLst>
+      <p:ext uri="{BB962C8B-B14F-4D97-AF65-F5344CB8AC3E}">
+        <p14:creationId xmlns:p14="http://schemas.microsoft.com/office/powerpoint/2010/main" val="1344508549"/>
+      </p:ext>
+    </p:extLst>
+  </p:cSld>
+  <p:clrMap bg1="lt1" tx1="dk1" bg2="lt2" tx2="dk2" accent1="accent1" accent2="accent2" accent3="accent3" accent4="accent4" accent5="accent5" accent6="accent6" hlink="hlink" folHlink="folHlink"/>
+  <p:notesStyle>
+    <a:lvl1pPr marL="0" algn="l" defTabSz="914400" rtl="0" eaLnBrk="1" latinLnBrk="0" hangingPunct="1">
+      <a:defRPr sz="1200" kern="1200">
+        <a:solidFill>
+          <a:schemeClr val="tx1"/>
+        </a:solidFill>
+        <a:latin typeface="+mn-lt"/>
+        <a:ea typeface="+mn-ea"/>
+        <a:cs typeface="+mn-cs"/>
+      </a:defRPr>
+    </a:lvl1pPr>
+    <a:lvl2pPr marL="457200" algn="l" defTabSz="914400" rtl="0" eaLnBrk="1" latinLnBrk="0" hangingPunct="1">
+      <a:defRPr sz="1200" kern="1200">
+        <a:solidFill>
+          <a:schemeClr val="tx1"/>
+        </a:solidFill>
+        <a:latin typeface="+mn-lt"/>
+        <a:ea typeface="+mn-ea"/>
+        <a:cs typeface="+mn-cs"/>
+      </a:defRPr>
+    </a:lvl2pPr>
+    <a:lvl3pPr marL="914400" algn="l" defTabSz="914400" rtl="0" eaLnBrk="1" latinLnBrk="0" hangingPunct="1">
+      <a:defRPr sz="1200" kern="1200">
+        <a:solidFill>
+          <a:schemeClr val="tx1"/>
+        </a:solidFill>
+        <a:latin typeface="+mn-lt"/>
+        <a:ea typeface="+mn-ea"/>
+        <a:cs typeface="+mn-cs"/>
+      </a:defRPr>
+    </a:lvl3pPr>
+    <a:lvl4pPr marL="1371600" algn="l" defTabSz="914400" rtl="0" eaLnBrk="1" latinLnBrk="0" hangingPunct="1">
+      <a:defRPr sz="1200" kern="1200">
+        <a:solidFill>
+          <a:schemeClr val="tx1"/>
+        </a:solidFill>
+        <a:latin typeface="+mn-lt"/>
+        <a:ea typeface="+mn-ea"/>
+        <a:cs typeface="+mn-cs"/>
+      </a:defRPr>
+    </a:lvl4pPr>
+    <a:lvl5pPr marL="1828800" algn="l" defTabSz="914400" rtl="0" eaLnBrk="1" latinLnBrk="0" hangingPunct="1">
+      <a:defRPr sz="1200" kern="1200">
+        <a:solidFill>
+          <a:schemeClr val="tx1"/>
+        </a:solidFill>
+        <a:latin typeface="+mn-lt"/>
+        <a:ea typeface="+mn-ea"/>
+        <a:cs typeface="+mn-cs"/>
+      </a:defRPr>
+    </a:lvl5pPr>
+    <a:lvl6pPr marL="2286000" algn="l" defTabSz="914400" rtl="0" eaLnBrk="1" latinLnBrk="0" hangingPunct="1">
+      <a:defRPr sz="1200" kern="1200">
+        <a:solidFill>
+          <a:schemeClr val="tx1"/>
+        </a:solidFill>
+        <a:latin typeface="+mn-lt"/>
+        <a:ea typeface="+mn-ea"/>
+        <a:cs typeface="+mn-cs"/>
+      </a:defRPr>
+    </a:lvl6pPr>
+    <a:lvl7pPr marL="2743200" algn="l" defTabSz="914400" rtl="0" eaLnBrk="1" latinLnBrk="0" hangingPunct="1">
+      <a:defRPr sz="1200" kern="1200">
+        <a:solidFill>
+          <a:schemeClr val="tx1"/>
+        </a:solidFill>
+        <a:latin typeface="+mn-lt"/>
+        <a:ea typeface="+mn-ea"/>
+        <a:cs typeface="+mn-cs"/>
+      </a:defRPr>
+    </a:lvl7pPr>
+    <a:lvl8pPr marL="3200400" algn="l" defTabSz="914400" rtl="0" eaLnBrk="1" latinLnBrk="0" hangingPunct="1">
+      <a:defRPr sz="1200" kern="1200">
+        <a:solidFill>
+          <a:schemeClr val="tx1"/>
+        </a:solidFill>
+        <a:latin typeface="+mn-lt"/>
+        <a:ea typeface="+mn-ea"/>
+        <a:cs typeface="+mn-cs"/>
+      </a:defRPr>
+    </a:lvl8pPr>
+    <a:lvl9pPr marL="3657600" algn="l" defTabSz="914400" rtl="0" eaLnBrk="1" latinLnBrk="0" hangingPunct="1">
+      <a:defRPr sz="1200" kern="1200">
+        <a:solidFill>
+          <a:schemeClr val="tx1"/>
+        </a:solidFill>
+        <a:latin typeface="+mn-lt"/>
+        <a:ea typeface="+mn-ea"/>
+        <a:cs typeface="+mn-cs"/>
+      </a:defRPr>
+    </a:lvl9pPr>
+  </p:notesStyle>
+</p:notesMaster>
+</file>
+
+<file path=ppt/notesSlides/notesSlide1.xml><?xml version="1.0" encoding="utf-8"?>
+<p:notes xmlns:a="http://schemas.openxmlformats.org/drawingml/2006/main" xmlns:r="http://schemas.openxmlformats.org/officeDocument/2006/relationships" xmlns:p="http://schemas.openxmlformats.org/presentationml/2006/main">
+  <p:cSld>
+    <p:spTree>
+      <p:nvGrpSpPr>
+        <p:cNvPr id="1" name=""/>
+        <p:cNvGrpSpPr/>
+        <p:nvPr/>
+      </p:nvGrpSpPr>
+      <p:grpSpPr>
+        <a:xfrm>
+          <a:off x="0" y="0"/>
+          <a:ext cx="0" cy="0"/>
+          <a:chOff x="0" y="0"/>
+          <a:chExt cx="0" cy="0"/>
+        </a:xfrm>
+      </p:grpSpPr>
+      <p:sp>
+        <p:nvSpPr>
+          <p:cNvPr id="2" name="Slide Image Placeholder 1"/>
+          <p:cNvSpPr>
+            <a:spLocks noGrp="1" noRot="1" noChangeAspect="1"/>
+          </p:cNvSpPr>
+          <p:nvPr>
+            <p:ph type="sldImg"/>
+          </p:nvPr>
+        </p:nvSpPr>
+        <p:spPr/>
+      </p:sp>
+      <p:sp>
+        <p:nvSpPr>
+          <p:cNvPr id="3" name="Notes Placeholder 2"/>
+          <p:cNvSpPr>
+            <a:spLocks noGrp="1"/>
+          </p:cNvSpPr>
+          <p:nvPr>
+            <p:ph type="body" idx="1"/>
+          </p:nvPr>
+        </p:nvSpPr>
+        <p:spPr/>
+        <p:txBody>
+          <a:bodyPr/>
+          <a:lstStyle/>
+          <a:p>
+            <a:endParaRPr lang="en-CA" dirty="0"/>
+          </a:p>
+        </p:txBody>
+      </p:sp>
+      <p:sp>
+        <p:nvSpPr>
+          <p:cNvPr id="4" name="Slide Number Placeholder 3"/>
+          <p:cNvSpPr>
+            <a:spLocks noGrp="1"/>
+          </p:cNvSpPr>
+          <p:nvPr>
+            <p:ph type="sldNum" sz="quarter" idx="5"/>
+          </p:nvPr>
+        </p:nvSpPr>
+        <p:spPr/>
+        <p:txBody>
+          <a:bodyPr/>
+          <a:lstStyle/>
+          <a:p>
+            <a:fld id="{8836A7BA-94C2-4AC4-89A9-2E27AA91FB88}" type="slidenum">
+              <a:rPr lang="en-CA" smtClean="0"/>
+              <a:t>6</a:t>
+            </a:fld>
+            <a:endParaRPr lang="en-CA"/>
+          </a:p>
+        </p:txBody>
+      </p:sp>
+    </p:spTree>
+    <p:extLst>
+      <p:ext uri="{BB962C8B-B14F-4D97-AF65-F5344CB8AC3E}">
+        <p14:creationId xmlns:p14="http://schemas.microsoft.com/office/powerpoint/2010/main" val="1621477296"/>
+      </p:ext>
+    </p:extLst>
+  </p:cSld>
+  <p:clrMapOvr>
+    <a:masterClrMapping/>
+  </p:clrMapOvr>
+</p:notes>
 </file>
 
 <file path=ppt/slideLayouts/slideLayout1.xml><?xml version="1.0" encoding="utf-8"?>
@@ -495,7 +1003,7 @@
           <a:p>
             <a:fld id="{88D38747-4367-4BD2-8D51-C97E202738E2}" type="datetime1">
               <a:rPr lang="en-US" smtClean="0"/>
-              <a:t>9/1/2020</a:t>
+              <a:t>9/2/2020</a:t>
             </a:fld>
             <a:endParaRPr lang="en-US" dirty="0"/>
           </a:p>
@@ -800,7 +1308,7 @@
           <a:p>
             <a:fld id="{11F1B079-7EF0-44EE-B798-BCC497C9F3B2}" type="datetime1">
               <a:rPr lang="en-US" smtClean="0"/>
-              <a:t>9/1/2020</a:t>
+              <a:t>9/2/2020</a:t>
             </a:fld>
             <a:endParaRPr lang="en-US" dirty="0"/>
           </a:p>
@@ -994,7 +1502,7 @@
           <a:p>
             <a:fld id="{28FF70A8-1D13-4657-95F0-A9EA54967B8D}" type="datetime1">
               <a:rPr lang="en-US" smtClean="0"/>
-              <a:t>9/1/2020</a:t>
+              <a:t>9/2/2020</a:t>
             </a:fld>
             <a:endParaRPr lang="en-US" dirty="0"/>
           </a:p>
@@ -1257,7 +1765,7 @@
           <a:p>
             <a:fld id="{21EB90AC-71BD-4C7F-8ACA-7B3F18292E63}" type="datetime1">
               <a:rPr lang="en-US" smtClean="0"/>
-              <a:t>9/1/2020</a:t>
+              <a:t>9/2/2020</a:t>
             </a:fld>
             <a:endParaRPr lang="en-US" dirty="0"/>
           </a:p>
@@ -1693,7 +2201,7 @@
           <a:p>
             <a:fld id="{4E6EFC2C-8905-46F0-B443-CE905B76BA01}" type="datetime1">
               <a:rPr lang="en-US" smtClean="0"/>
-              <a:t>9/1/2020</a:t>
+              <a:t>9/2/2020</a:t>
             </a:fld>
             <a:endParaRPr lang="en-US" dirty="0"/>
           </a:p>
@@ -2230,7 +2738,7 @@
           <a:p>
             <a:fld id="{D9079DC3-C9B5-499E-9140-0DC28B7074E2}" type="datetime1">
               <a:rPr lang="en-US" smtClean="0"/>
-              <a:t>9/1/2020</a:t>
+              <a:t>9/2/2020</a:t>
             </a:fld>
             <a:endParaRPr lang="en-US" dirty="0"/>
           </a:p>
@@ -3112,7 +3620,7 @@
           <a:p>
             <a:fld id="{30BB33EA-E472-4D22-9C03-A9C14AA21CED}" type="datetime1">
               <a:rPr lang="en-US" smtClean="0"/>
-              <a:t>9/1/2020</a:t>
+              <a:t>9/2/2020</a:t>
             </a:fld>
             <a:endParaRPr lang="en-US" dirty="0"/>
           </a:p>
@@ -3282,7 +3790,7 @@
           <a:p>
             <a:fld id="{73C55A3C-5767-4844-A0A3-83778C2E5409}" type="datetime1">
               <a:rPr lang="en-US" smtClean="0"/>
-              <a:t>9/1/2020</a:t>
+              <a:t>9/2/2020</a:t>
             </a:fld>
             <a:endParaRPr lang="en-US" dirty="0"/>
           </a:p>
@@ -3526,7 +4034,7 @@
           <a:p>
             <a:fld id="{CAE507A8-A5CF-4D38-AB86-7EDDA87A85D4}" type="datetime1">
               <a:rPr lang="en-US" smtClean="0"/>
-              <a:t>9/1/2020</a:t>
+              <a:t>9/2/2020</a:t>
             </a:fld>
             <a:endParaRPr lang="en-US" dirty="0"/>
           </a:p>
@@ -3768,7 +4276,7 @@
           <a:p>
             <a:fld id="{BDFCD27C-8599-43EF-BA1D-14DDC1946E06}" type="datetime1">
               <a:rPr lang="en-US" smtClean="0"/>
-              <a:t>9/1/2020</a:t>
+              <a:t>9/2/2020</a:t>
             </a:fld>
             <a:endParaRPr lang="en-US" dirty="0"/>
           </a:p>
@@ -4251,7 +4759,7 @@
           <a:p>
             <a:fld id="{49343D99-809A-49C0-96E5-4250D0B498EE}" type="datetime1">
               <a:rPr lang="en-US" smtClean="0"/>
-              <a:t>9/1/2020</a:t>
+              <a:t>9/2/2020</a:t>
             </a:fld>
             <a:endParaRPr lang="en-US" dirty="0"/>
           </a:p>
@@ -4369,7 +4877,7 @@
           <a:p>
             <a:fld id="{A143DE9B-B678-4EFB-BB7D-A4370204A0B0}" type="datetime1">
               <a:rPr lang="en-US" smtClean="0"/>
-              <a:t>9/1/2020</a:t>
+              <a:t>9/2/2020</a:t>
             </a:fld>
             <a:endParaRPr lang="en-US" dirty="0"/>
           </a:p>
@@ -4464,7 +4972,7 @@
           <a:p>
             <a:fld id="{E68812DA-F765-4142-A6A3-A8ED7235E082}" type="datetime1">
               <a:rPr lang="en-US" smtClean="0"/>
-              <a:t>9/1/2020</a:t>
+              <a:t>9/2/2020</a:t>
             </a:fld>
             <a:endParaRPr lang="en-US" dirty="0"/>
           </a:p>
@@ -4719,7 +5227,7 @@
           <a:p>
             <a:fld id="{3E0277FD-7DE6-41D4-930D-AC99F5AFE54E}" type="datetime1">
               <a:rPr lang="en-US" smtClean="0"/>
-              <a:t>9/1/2020</a:t>
+              <a:t>9/2/2020</a:t>
             </a:fld>
             <a:endParaRPr lang="en-US" dirty="0"/>
           </a:p>
@@ -5026,7 +5534,7 @@
           <a:p>
             <a:fld id="{9EA15526-7079-4B7B-987C-1B5FAE11A0FF}" type="datetime1">
               <a:rPr lang="en-US" smtClean="0"/>
-              <a:t>9/1/2020</a:t>
+              <a:t>9/2/2020</a:t>
             </a:fld>
             <a:endParaRPr lang="en-US" dirty="0"/>
           </a:p>
@@ -5261,7 +5769,7 @@
           <a:p>
             <a:fld id="{073ED0CC-082F-4160-86E5-0D6041F12778}" type="datetime1">
               <a:rPr lang="en-US" smtClean="0"/>
-              <a:t>9/1/2020</a:t>
+              <a:t>9/2/2020</a:t>
             </a:fld>
             <a:endParaRPr lang="en-US" dirty="0"/>
           </a:p>
@@ -7157,7 +7665,7 @@
         </p:spPr>
         <p:txBody>
           <a:bodyPr>
-            <a:normAutofit lnSpcReduction="10000"/>
+            <a:normAutofit/>
           </a:bodyPr>
           <a:lstStyle/>
           <a:p>
@@ -7180,6 +7688,8 @@
               </a:rPr>
               <a:t>The severity of a car collision is highly related to 3 key features: ‘VEHCOUNT’ (number of vehicles), ‘PERSONCOUNT’ (number of persons), ‘ADDRTYPE’ (the address type). </a:t>
             </a:r>
+          </a:p>
+          <a:p>
             <a:endParaRPr lang="en-CA" sz="1800" dirty="0">
               <a:effectLst/>
               <a:latin typeface="Calibri" panose="020F0502020204030204" pitchFamily="34" charset="0"/>
@@ -7188,232 +7698,14 @@
             </a:endParaRPr>
           </a:p>
           <a:p>
-            <a:pPr marL="663360" lvl="1" indent="-285750" algn="just">
+            <a:pPr marL="377610" lvl="1" indent="0" algn="just">
               <a:lnSpc>
                 <a:spcPct val="150000"/>
               </a:lnSpc>
               <a:spcAft>
                 <a:spcPts val="800"/>
               </a:spcAft>
-              <a:buFont typeface="Wingdings" panose="05000000000000000000" pitchFamily="2" charset="2"/>
-              <a:buChar char="Ø"/>
-              <a:tabLst>
-                <a:tab pos="581660" algn="l"/>
-                <a:tab pos="1163320" algn="l"/>
-                <a:tab pos="1744980" algn="l"/>
-                <a:tab pos="2326640" algn="l"/>
-                <a:tab pos="2908300" algn="l"/>
-                <a:tab pos="3489960" algn="l"/>
-                <a:tab pos="4071620" algn="l"/>
-                <a:tab pos="4653280" algn="l"/>
-                <a:tab pos="5234940" algn="l"/>
-                <a:tab pos="5816600" algn="l"/>
-                <a:tab pos="6398260" algn="l"/>
-                <a:tab pos="6979920" algn="l"/>
-                <a:tab pos="7561580" algn="l"/>
-                <a:tab pos="8143240" algn="l"/>
-                <a:tab pos="8724900" algn="l"/>
-                <a:tab pos="9306560" algn="l"/>
-              </a:tabLst>
-            </a:pPr>
-            <a:r>
-              <a:rPr lang="en-CA" sz="1600" dirty="0">
-                <a:effectLst/>
-                <a:latin typeface="Times New Roman" panose="02020603050405020304" pitchFamily="18" charset="0"/>
-                <a:ea typeface="Times New Roman" panose="02020603050405020304" pitchFamily="18" charset="0"/>
-                <a:cs typeface="Times New Roman" panose="02020603050405020304" pitchFamily="18" charset="0"/>
-              </a:rPr>
-              <a:t>When ADDRTYPE is not &lt;=1.5 and VEHCOUNT is not &lt;=2.5 (car collision at an 'Intersection' with  3 or more cars involved), the possible outcome is predicted as a severe one - Injury Collision, although 'entropy' is more than 0.90.</a:t>
-            </a:r>
-            <a:endParaRPr lang="en-CA" sz="1600" dirty="0">
-              <a:effectLst/>
-              <a:latin typeface="Calibri" panose="020F0502020204030204" pitchFamily="34" charset="0"/>
-              <a:ea typeface="DengXian" panose="02010600030101010101" pitchFamily="2" charset="-122"/>
-              <a:cs typeface="Times New Roman" panose="02020603050405020304" pitchFamily="18" charset="0"/>
-            </a:endParaRPr>
-          </a:p>
-          <a:p>
-            <a:pPr marL="663360" lvl="1" indent="-285750" algn="just">
-              <a:lnSpc>
-                <a:spcPct val="150000"/>
-              </a:lnSpc>
-              <a:spcAft>
-                <a:spcPts val="800"/>
-              </a:spcAft>
-              <a:buFont typeface="Wingdings" panose="05000000000000000000" pitchFamily="2" charset="2"/>
-              <a:buChar char="Ø"/>
-              <a:tabLst>
-                <a:tab pos="581660" algn="l"/>
-                <a:tab pos="1163320" algn="l"/>
-                <a:tab pos="1744980" algn="l"/>
-                <a:tab pos="2326640" algn="l"/>
-                <a:tab pos="2908300" algn="l"/>
-                <a:tab pos="3489960" algn="l"/>
-                <a:tab pos="4071620" algn="l"/>
-                <a:tab pos="4653280" algn="l"/>
-                <a:tab pos="5234940" algn="l"/>
-                <a:tab pos="5816600" algn="l"/>
-                <a:tab pos="6398260" algn="l"/>
-                <a:tab pos="6979920" algn="l"/>
-                <a:tab pos="7561580" algn="l"/>
-                <a:tab pos="8143240" algn="l"/>
-                <a:tab pos="8724900" algn="l"/>
-                <a:tab pos="9306560" algn="l"/>
-              </a:tabLst>
-            </a:pPr>
-            <a:r>
-              <a:rPr lang="en-CA" sz="1600" dirty="0">
-                <a:effectLst/>
-                <a:latin typeface="Times New Roman" panose="02020603050405020304" pitchFamily="18" charset="0"/>
-                <a:ea typeface="Times New Roman" panose="02020603050405020304" pitchFamily="18" charset="0"/>
-                <a:cs typeface="Times New Roman" panose="02020603050405020304" pitchFamily="18" charset="0"/>
-              </a:rPr>
-              <a:t>When ADDRTYPE is &lt;=1.5 (car collision at 'Block' or 'Alley' ), the possible outcome is predicted as a less severe one - Property Damage Only Collision, but 'entropy' is high (more than 0.90), except one scenario:</a:t>
-            </a:r>
-          </a:p>
-          <a:p>
-            <a:pPr marL="1043610" lvl="3" indent="0" algn="just">
-              <a:lnSpc>
-                <a:spcPct val="150000"/>
-              </a:lnSpc>
-              <a:spcAft>
-                <a:spcPts val="800"/>
-              </a:spcAft>
-              <a:buNone/>
-              <a:tabLst>
-                <a:tab pos="581660" algn="l"/>
-                <a:tab pos="1163320" algn="l"/>
-                <a:tab pos="1744980" algn="l"/>
-                <a:tab pos="2326640" algn="l"/>
-                <a:tab pos="2908300" algn="l"/>
-                <a:tab pos="3489960" algn="l"/>
-                <a:tab pos="4071620" algn="l"/>
-                <a:tab pos="4653280" algn="l"/>
-                <a:tab pos="5234940" algn="l"/>
-                <a:tab pos="5816600" algn="l"/>
-                <a:tab pos="6398260" algn="l"/>
-                <a:tab pos="6979920" algn="l"/>
-                <a:tab pos="7561580" algn="l"/>
-                <a:tab pos="8143240" algn="l"/>
-                <a:tab pos="8724900" algn="l"/>
-                <a:tab pos="9306560" algn="l"/>
-              </a:tabLst>
-            </a:pPr>
-            <a:r>
-              <a:rPr lang="en-CA" sz="1300" dirty="0">
-                <a:effectLst/>
-                <a:latin typeface="Times New Roman" panose="02020603050405020304" pitchFamily="18" charset="0"/>
-                <a:ea typeface="Times New Roman" panose="02020603050405020304" pitchFamily="18" charset="0"/>
-                <a:cs typeface="Times New Roman" panose="02020603050405020304" pitchFamily="18" charset="0"/>
-              </a:rPr>
-              <a:t>*If the number of persons involved in a car collision is two or less, and two cars involved, then 'entropy' =0.647, which indicates most of the cases are less severe ones.</a:t>
-            </a:r>
-            <a:endParaRPr lang="en-CA" sz="1300" dirty="0">
-              <a:effectLst/>
-              <a:latin typeface="Calibri" panose="020F0502020204030204" pitchFamily="34" charset="0"/>
-              <a:ea typeface="DengXian" panose="02010600030101010101" pitchFamily="2" charset="-122"/>
-              <a:cs typeface="Times New Roman" panose="02020603050405020304" pitchFamily="18" charset="0"/>
-            </a:endParaRPr>
-          </a:p>
-          <a:p>
-            <a:pPr marL="663360" lvl="1" indent="-285750" algn="just">
-              <a:lnSpc>
-                <a:spcPct val="150000"/>
-              </a:lnSpc>
-              <a:spcAft>
-                <a:spcPts val="800"/>
-              </a:spcAft>
-              <a:buFont typeface="Wingdings" panose="05000000000000000000" pitchFamily="2" charset="2"/>
-              <a:buChar char="Ø"/>
-              <a:tabLst>
-                <a:tab pos="581660" algn="l"/>
-                <a:tab pos="1163320" algn="l"/>
-                <a:tab pos="1744980" algn="l"/>
-                <a:tab pos="2326640" algn="l"/>
-                <a:tab pos="2908300" algn="l"/>
-                <a:tab pos="3489960" algn="l"/>
-                <a:tab pos="4071620" algn="l"/>
-                <a:tab pos="4653280" algn="l"/>
-                <a:tab pos="5234940" algn="l"/>
-                <a:tab pos="5816600" algn="l"/>
-                <a:tab pos="6398260" algn="l"/>
-                <a:tab pos="6979920" algn="l"/>
-                <a:tab pos="7561580" algn="l"/>
-                <a:tab pos="8143240" algn="l"/>
-                <a:tab pos="8724900" algn="l"/>
-                <a:tab pos="9306560" algn="l"/>
-              </a:tabLst>
-            </a:pPr>
-            <a:r>
-              <a:rPr lang="en-CA" sz="1600" dirty="0">
-                <a:effectLst/>
-                <a:latin typeface="Times New Roman" panose="02020603050405020304" pitchFamily="18" charset="0"/>
-                <a:ea typeface="Times New Roman" panose="02020603050405020304" pitchFamily="18" charset="0"/>
-                <a:cs typeface="Times New Roman" panose="02020603050405020304" pitchFamily="18" charset="0"/>
-              </a:rPr>
-              <a:t>When VEHCOUNT is &lt;=1.5 and PERSONCOUNT is not &lt;=1.5 (car collision involves only one or none car, but two or more persons), this model predicts the outcome as a severe one, and the 'entropy' is usually low (0.531 ~0.783) with one exception: </a:t>
-            </a:r>
-            <a:endParaRPr lang="en-CA" sz="1600" dirty="0">
-              <a:effectLst/>
-              <a:latin typeface="Calibri" panose="020F0502020204030204" pitchFamily="34" charset="0"/>
-              <a:ea typeface="DengXian" panose="02010600030101010101" pitchFamily="2" charset="-122"/>
-              <a:cs typeface="Times New Roman" panose="02020603050405020304" pitchFamily="18" charset="0"/>
-            </a:endParaRPr>
-          </a:p>
-          <a:p>
-            <a:pPr marL="863315" lvl="2" indent="0" algn="just">
-              <a:lnSpc>
-                <a:spcPct val="150000"/>
-              </a:lnSpc>
-              <a:spcAft>
-                <a:spcPts val="800"/>
-              </a:spcAft>
-              <a:buNone/>
-              <a:tabLst>
-                <a:tab pos="581660" algn="l"/>
-                <a:tab pos="1163320" algn="l"/>
-                <a:tab pos="1744980" algn="l"/>
-                <a:tab pos="2326640" algn="l"/>
-                <a:tab pos="2908300" algn="l"/>
-                <a:tab pos="3489960" algn="l"/>
-                <a:tab pos="4071620" algn="l"/>
-                <a:tab pos="4653280" algn="l"/>
-                <a:tab pos="5234940" algn="l"/>
-                <a:tab pos="5816600" algn="l"/>
-                <a:tab pos="6398260" algn="l"/>
-                <a:tab pos="6979920" algn="l"/>
-                <a:tab pos="7561580" algn="l"/>
-                <a:tab pos="8143240" algn="l"/>
-                <a:tab pos="8724900" algn="l"/>
-                <a:tab pos="9306560" algn="l"/>
-              </a:tabLst>
-            </a:pPr>
-            <a:r>
-              <a:rPr lang="en-CA" sz="1300" dirty="0">
-                <a:effectLst/>
-                <a:latin typeface="Times New Roman" panose="02020603050405020304" pitchFamily="18" charset="0"/>
-                <a:ea typeface="Times New Roman" panose="02020603050405020304" pitchFamily="18" charset="0"/>
-                <a:cs typeface="Times New Roman" panose="02020603050405020304" pitchFamily="18" charset="0"/>
-              </a:rPr>
-              <a:t>     *LIGHTCOND is &lt;=3.5 (light condition is dark), then 'entropy' =0.965, which means the prediction is not highly accurate for such case.</a:t>
-            </a:r>
-            <a:endParaRPr lang="en-CA" sz="1300" dirty="0">
-              <a:effectLst/>
-              <a:latin typeface="Calibri" panose="020F0502020204030204" pitchFamily="34" charset="0"/>
-              <a:ea typeface="DengXian" panose="02010600030101010101" pitchFamily="2" charset="-122"/>
-              <a:cs typeface="Times New Roman" panose="02020603050405020304" pitchFamily="18" charset="0"/>
-            </a:endParaRPr>
-          </a:p>
-          <a:p>
-            <a:pPr marL="663360" lvl="1" indent="-285750" algn="just">
-              <a:lnSpc>
-                <a:spcPct val="150000"/>
-              </a:lnSpc>
-              <a:spcAft>
-                <a:spcPts val="800"/>
-              </a:spcAft>
-              <a:buFont typeface="Wingdings" panose="05000000000000000000" pitchFamily="2" charset="2"/>
-              <a:buChar char="Ø"/>
+              <a:buNone/>
               <a:tabLst>
                 <a:tab pos="581660" algn="l"/>
                 <a:tab pos="1163320" algn="l"/>
@@ -7468,6 +7760,25 @@
 <file path=ppt/slides/slide6.xml><?xml version="1.0" encoding="utf-8"?>
 <p:sld xmlns:a="http://schemas.openxmlformats.org/drawingml/2006/main" xmlns:r="http://schemas.openxmlformats.org/officeDocument/2006/relationships" xmlns:p="http://schemas.openxmlformats.org/presentationml/2006/main">
   <p:cSld>
+    <p:bg>
+      <p:bgPr>
+        <a:blipFill rotWithShape="1">
+          <a:blip r:embed="rId3">
+            <a:duotone>
+              <a:schemeClr val="bg1">
+                <a:shade val="80000"/>
+                <a:lumMod val="80000"/>
+              </a:schemeClr>
+              <a:schemeClr val="bg1">
+                <a:tint val="98000"/>
+              </a:schemeClr>
+            </a:duotone>
+          </a:blip>
+          <a:stretch/>
+        </a:blipFill>
+        <a:effectLst/>
+      </p:bgPr>
+    </p:bg>
     <p:spTree>
       <p:nvGrpSpPr>
         <p:cNvPr id="1" name=""/>
@@ -7482,12 +7793,72 @@
           <a:chExt cx="0" cy="0"/>
         </a:xfrm>
       </p:grpSpPr>
+      <p:sp useBgFill="1">
+        <p:nvSpPr>
+          <p:cNvPr id="8" name="Rectangle 7">
+            <a:extLst>
+              <a:ext uri="{FF2B5EF4-FFF2-40B4-BE49-F238E27FC236}">
+                <a16:creationId xmlns:a16="http://schemas.microsoft.com/office/drawing/2014/main" id="{1E70A317-DCED-4E80-AA2D-467D8702E5CB}"/>
+              </a:ext>
+              <a:ext uri="{C183D7F6-B498-43B3-948B-1728B52AA6E4}">
+                <adec:decorative xmlns:adec="http://schemas.microsoft.com/office/drawing/2017/decorative" val="1"/>
+              </a:ext>
+            </a:extLst>
+          </p:cNvPr>
+          <p:cNvSpPr>
+            <a:spLocks noGrp="1" noRot="1" noChangeAspect="1" noMove="1" noResize="1" noEditPoints="1" noAdjustHandles="1" noChangeArrowheads="1" noChangeShapeType="1" noTextEdit="1"/>
+          </p:cNvSpPr>
+          <p:nvPr>
+            <p:extLst>
+              <p:ext uri="{386F3935-93C4-4BCD-93E2-E3B085C9AB24}">
+                <p16:designElem xmlns:p16="http://schemas.microsoft.com/office/powerpoint/2015/main" val="1"/>
+              </p:ext>
+            </p:extLst>
+          </p:nvPr>
+        </p:nvSpPr>
+        <p:spPr>
+          <a:xfrm>
+            <a:off x="0" y="0"/>
+            <a:ext cx="12192000" cy="6858000"/>
+          </a:xfrm>
+          <a:prstGeom prst="rect">
+            <a:avLst/>
+          </a:prstGeom>
+          <a:ln>
+            <a:noFill/>
+          </a:ln>
+        </p:spPr>
+        <p:style>
+          <a:lnRef idx="2">
+            <a:schemeClr val="accent1">
+              <a:shade val="50000"/>
+            </a:schemeClr>
+          </a:lnRef>
+          <a:fillRef idx="1">
+            <a:schemeClr val="accent1"/>
+          </a:fillRef>
+          <a:effectRef idx="0">
+            <a:schemeClr val="accent1"/>
+          </a:effectRef>
+          <a:fontRef idx="minor">
+            <a:schemeClr val="lt1"/>
+          </a:fontRef>
+        </p:style>
+        <p:txBody>
+          <a:bodyPr rtlCol="0" anchor="ctr"/>
+          <a:lstStyle/>
+          <a:p>
+            <a:pPr algn="ctr"/>
+            <a:endParaRPr lang="en-US"/>
+          </a:p>
+        </p:txBody>
+      </p:sp>
       <p:sp>
         <p:nvSpPr>
           <p:cNvPr id="2" name="Title 1">
             <a:extLst>
               <a:ext uri="{FF2B5EF4-FFF2-40B4-BE49-F238E27FC236}">
-                <a16:creationId xmlns:a16="http://schemas.microsoft.com/office/drawing/2014/main" id="{684151E4-4ECC-4445-A0D1-7918CFA8859A}"/>
+                <a16:creationId xmlns:a16="http://schemas.microsoft.com/office/drawing/2014/main" id="{1E8E4092-0D2D-4C2E-BA32-946BB71274D0}"/>
               </a:ext>
             </a:extLst>
           </p:cNvPr>
@@ -7498,13 +7869,21 @@
             <p:ph type="title"/>
           </p:nvPr>
         </p:nvSpPr>
-        <p:spPr/>
-        <p:txBody>
-          <a:bodyPr/>
+        <p:spPr>
+          <a:xfrm>
+            <a:off x="861791" y="835383"/>
+            <a:ext cx="3382832" cy="3499549"/>
+          </a:xfrm>
+        </p:spPr>
+        <p:txBody>
+          <a:bodyPr vert="horz" lIns="91440" tIns="45720" rIns="91440" bIns="45720" rtlCol="0" anchor="b">
+            <a:normAutofit/>
+          </a:bodyPr>
           <a:lstStyle/>
           <a:p>
-            <a:r>
-              <a:rPr lang="en-CA" dirty="0"/>
+            <a:pPr algn="l"/>
+            <a:r>
+              <a:rPr lang="en-US" sz="4200" dirty="0"/>
               <a:t>Results (Cont.)</a:t>
             </a:r>
           </a:p>
@@ -7512,204 +7891,101 @@
       </p:sp>
       <p:sp>
         <p:nvSpPr>
-          <p:cNvPr id="3" name="Content Placeholder 2">
+          <p:cNvPr id="10" name="Rectangle 9">
             <a:extLst>
               <a:ext uri="{FF2B5EF4-FFF2-40B4-BE49-F238E27FC236}">
-                <a16:creationId xmlns:a16="http://schemas.microsoft.com/office/drawing/2014/main" id="{371C8BEF-B8DF-474E-99AF-1651A42082AD}"/>
+                <a16:creationId xmlns:a16="http://schemas.microsoft.com/office/drawing/2014/main" id="{A6D87845-294F-40CB-BC48-46455460D292}"/>
+              </a:ext>
+              <a:ext uri="{C183D7F6-B498-43B3-948B-1728B52AA6E4}">
+                <adec:decorative xmlns:adec="http://schemas.microsoft.com/office/drawing/2017/decorative" val="1"/>
               </a:ext>
             </a:extLst>
           </p:cNvPr>
           <p:cNvSpPr>
-            <a:spLocks noGrp="1"/>
-          </p:cNvSpPr>
-          <p:nvPr>
-            <p:ph idx="1"/>
-          </p:nvPr>
-        </p:nvSpPr>
-        <p:spPr/>
-        <p:txBody>
-          <a:bodyPr>
-            <a:normAutofit/>
-          </a:bodyPr>
+            <a:spLocks noGrp="1" noRot="1" noChangeAspect="1" noMove="1" noResize="1" noEditPoints="1" noAdjustHandles="1" noChangeArrowheads="1" noChangeShapeType="1" noTextEdit="1"/>
+          </p:cNvSpPr>
+          <p:nvPr>
+            <p:extLst>
+              <p:ext uri="{386F3935-93C4-4BCD-93E2-E3B085C9AB24}">
+                <p16:designElem xmlns:p16="http://schemas.microsoft.com/office/powerpoint/2015/main" val="1"/>
+              </p:ext>
+            </p:extLst>
+          </p:nvPr>
+        </p:nvSpPr>
+        <p:spPr>
+          <a:xfrm>
+            <a:off x="4655671" y="0"/>
+            <a:ext cx="7536329" cy="6858000"/>
+          </a:xfrm>
+          <a:prstGeom prst="rect">
+            <a:avLst/>
+          </a:prstGeom>
+          <a:solidFill>
+            <a:schemeClr val="tx1"/>
+          </a:solidFill>
+          <a:ln>
+            <a:noFill/>
+          </a:ln>
+        </p:spPr>
+        <p:style>
+          <a:lnRef idx="2">
+            <a:schemeClr val="accent1">
+              <a:shade val="50000"/>
+            </a:schemeClr>
+          </a:lnRef>
+          <a:fillRef idx="1">
+            <a:schemeClr val="accent1"/>
+          </a:fillRef>
+          <a:effectRef idx="0">
+            <a:schemeClr val="accent1"/>
+          </a:effectRef>
+          <a:fontRef idx="minor">
+            <a:schemeClr val="lt1"/>
+          </a:fontRef>
+        </p:style>
+        <p:txBody>
+          <a:bodyPr rtlCol="0" anchor="ctr"/>
           <a:lstStyle/>
           <a:p>
-            <a:pPr marL="621450" lvl="1" indent="-285750" algn="just">
-              <a:lnSpc>
-                <a:spcPct val="150000"/>
-              </a:lnSpc>
-              <a:buFont typeface="Wingdings" panose="05000000000000000000" pitchFamily="2" charset="2"/>
-              <a:buChar char="Ø"/>
-              <a:tabLst>
-                <a:tab pos="581660" algn="l"/>
-                <a:tab pos="1163320" algn="l"/>
-                <a:tab pos="1744980" algn="l"/>
-                <a:tab pos="2326640" algn="l"/>
-                <a:tab pos="2908300" algn="l"/>
-                <a:tab pos="3489960" algn="l"/>
-                <a:tab pos="4071620" algn="l"/>
-                <a:tab pos="4653280" algn="l"/>
-                <a:tab pos="5234940" algn="l"/>
-                <a:tab pos="5816600" algn="l"/>
-                <a:tab pos="6398260" algn="l"/>
-                <a:tab pos="6979920" algn="l"/>
-                <a:tab pos="7561580" algn="l"/>
-                <a:tab pos="8143240" algn="l"/>
-                <a:tab pos="8724900" algn="l"/>
-                <a:tab pos="9306560" algn="l"/>
-              </a:tabLst>
-            </a:pPr>
-            <a:r>
-              <a:rPr lang="en-CA" sz="1600" dirty="0">
-                <a:effectLst/>
-                <a:latin typeface="Times New Roman" panose="02020603050405020304" pitchFamily="18" charset="0"/>
-                <a:ea typeface="Times New Roman" panose="02020603050405020304" pitchFamily="18" charset="0"/>
-                <a:cs typeface="Times New Roman" panose="02020603050405020304" pitchFamily="18" charset="0"/>
-              </a:rPr>
-              <a:t>When PERSONCOUNT is &lt;=1.5 and not &lt;=0.5 (car collision involves only one person), the number of cars involved makes big difference in the outcome. </a:t>
-            </a:r>
-            <a:endParaRPr lang="en-CA" sz="1600" dirty="0">
-              <a:effectLst/>
-              <a:latin typeface="Calibri" panose="020F0502020204030204" pitchFamily="34" charset="0"/>
-              <a:ea typeface="DengXian" panose="02010600030101010101" pitchFamily="2" charset="-122"/>
-              <a:cs typeface="Times New Roman" panose="02020603050405020304" pitchFamily="18" charset="0"/>
-            </a:endParaRPr>
-          </a:p>
-          <a:p>
-            <a:pPr marL="917315" lvl="2" indent="0" algn="just">
-              <a:lnSpc>
-                <a:spcPct val="150000"/>
-              </a:lnSpc>
-              <a:buNone/>
-              <a:tabLst>
-                <a:tab pos="581660" algn="l"/>
-                <a:tab pos="1163320" algn="l"/>
-                <a:tab pos="1744980" algn="l"/>
-                <a:tab pos="2326640" algn="l"/>
-                <a:tab pos="2908300" algn="l"/>
-                <a:tab pos="3489960" algn="l"/>
-                <a:tab pos="4071620" algn="l"/>
-                <a:tab pos="4653280" algn="l"/>
-                <a:tab pos="5234940" algn="l"/>
-                <a:tab pos="5816600" algn="l"/>
-                <a:tab pos="6398260" algn="l"/>
-                <a:tab pos="6979920" algn="l"/>
-                <a:tab pos="7561580" algn="l"/>
-                <a:tab pos="8143240" algn="l"/>
-                <a:tab pos="8724900" algn="l"/>
-                <a:tab pos="9306560" algn="l"/>
-              </a:tabLst>
-            </a:pPr>
-            <a:r>
-              <a:rPr lang="en-CA" sz="1300" dirty="0">
-                <a:effectLst/>
-                <a:latin typeface="Times New Roman" panose="02020603050405020304" pitchFamily="18" charset="0"/>
-                <a:ea typeface="Times New Roman" panose="02020603050405020304" pitchFamily="18" charset="0"/>
-                <a:cs typeface="Times New Roman" panose="02020603050405020304" pitchFamily="18" charset="0"/>
-              </a:rPr>
-              <a:t>*VEHCONT is &lt;=0.5 (no car involved), this model predicts the outcome as severe one with almost 100% accurate rate, 'entropy' = 0.097.</a:t>
-            </a:r>
-            <a:endParaRPr lang="en-CA" sz="1300" dirty="0">
-              <a:effectLst/>
-              <a:latin typeface="Calibri" panose="020F0502020204030204" pitchFamily="34" charset="0"/>
-              <a:ea typeface="DengXian" panose="02010600030101010101" pitchFamily="2" charset="-122"/>
-              <a:cs typeface="Times New Roman" panose="02020603050405020304" pitchFamily="18" charset="0"/>
-            </a:endParaRPr>
-          </a:p>
-          <a:p>
-            <a:pPr marL="917315" lvl="2" indent="0" algn="just">
-              <a:lnSpc>
-                <a:spcPct val="150000"/>
-              </a:lnSpc>
-              <a:buNone/>
-              <a:tabLst>
-                <a:tab pos="581660" algn="l"/>
-                <a:tab pos="1163320" algn="l"/>
-                <a:tab pos="1744980" algn="l"/>
-                <a:tab pos="2326640" algn="l"/>
-                <a:tab pos="2908300" algn="l"/>
-                <a:tab pos="3489960" algn="l"/>
-                <a:tab pos="4071620" algn="l"/>
-                <a:tab pos="4653280" algn="l"/>
-                <a:tab pos="5234940" algn="l"/>
-                <a:tab pos="5816600" algn="l"/>
-                <a:tab pos="6398260" algn="l"/>
-                <a:tab pos="6979920" algn="l"/>
-                <a:tab pos="7561580" algn="l"/>
-                <a:tab pos="8143240" algn="l"/>
-                <a:tab pos="8724900" algn="l"/>
-                <a:tab pos="9306560" algn="l"/>
-              </a:tabLst>
-            </a:pPr>
-            <a:r>
-              <a:rPr lang="en-CA" sz="1100" dirty="0">
-                <a:effectLst/>
-                <a:latin typeface="Times New Roman" panose="02020603050405020304" pitchFamily="18" charset="0"/>
-                <a:ea typeface="Times New Roman" panose="02020603050405020304" pitchFamily="18" charset="0"/>
-                <a:cs typeface="Times New Roman" panose="02020603050405020304" pitchFamily="18" charset="0"/>
-              </a:rPr>
-              <a:t>* VEHCONT is &lt;=1.5 and not &lt;=0.5 (one car involved), this model predicts the outcome as a less severe one with 'entropy' =0.824.</a:t>
-            </a:r>
-            <a:endParaRPr lang="en-CA" sz="1100" dirty="0">
-              <a:effectLst/>
-              <a:latin typeface="Calibri" panose="020F0502020204030204" pitchFamily="34" charset="0"/>
-              <a:ea typeface="DengXian" panose="02010600030101010101" pitchFamily="2" charset="-122"/>
-              <a:cs typeface="Times New Roman" panose="02020603050405020304" pitchFamily="18" charset="0"/>
-            </a:endParaRPr>
-          </a:p>
-          <a:p>
-            <a:pPr marL="621450" lvl="1" indent="-285750" algn="just">
-              <a:lnSpc>
-                <a:spcPct val="150000"/>
-              </a:lnSpc>
-              <a:spcAft>
-                <a:spcPts val="800"/>
-              </a:spcAft>
-              <a:buFont typeface="Wingdings" panose="05000000000000000000" pitchFamily="2" charset="2"/>
-              <a:buChar char="Ø"/>
-              <a:tabLst>
-                <a:tab pos="581660" algn="l"/>
-                <a:tab pos="1163320" algn="l"/>
-                <a:tab pos="1744980" algn="l"/>
-                <a:tab pos="2326640" algn="l"/>
-                <a:tab pos="2908300" algn="l"/>
-                <a:tab pos="3489960" algn="l"/>
-                <a:tab pos="4071620" algn="l"/>
-                <a:tab pos="4653280" algn="l"/>
-                <a:tab pos="5234940" algn="l"/>
-                <a:tab pos="5816600" algn="l"/>
-                <a:tab pos="6398260" algn="l"/>
-                <a:tab pos="6979920" algn="l"/>
-                <a:tab pos="7561580" algn="l"/>
-                <a:tab pos="8143240" algn="l"/>
-                <a:tab pos="8724900" algn="l"/>
-                <a:tab pos="9306560" algn="l"/>
-              </a:tabLst>
-            </a:pPr>
-            <a:r>
-              <a:rPr lang="en-CA" sz="1600" dirty="0">
-                <a:effectLst/>
-                <a:latin typeface="Times New Roman" panose="02020603050405020304" pitchFamily="18" charset="0"/>
-                <a:ea typeface="Times New Roman" panose="02020603050405020304" pitchFamily="18" charset="0"/>
-                <a:cs typeface="Times New Roman" panose="02020603050405020304" pitchFamily="18" charset="0"/>
-              </a:rPr>
-              <a:t>5.when PERSONCOUNT is &lt;=0.5 and ADDRTYPE is not &lt;=1.5 (car collision involves nobody at 'Intersection'), the most possible outcome is a severe one with 'entropy'=0.816. </a:t>
-            </a:r>
-            <a:endParaRPr lang="en-CA" sz="1600" dirty="0">
-              <a:effectLst/>
-              <a:latin typeface="Calibri" panose="020F0502020204030204" pitchFamily="34" charset="0"/>
-              <a:ea typeface="DengXian" panose="02010600030101010101" pitchFamily="2" charset="-122"/>
-              <a:cs typeface="Times New Roman" panose="02020603050405020304" pitchFamily="18" charset="0"/>
-            </a:endParaRPr>
-          </a:p>
-          <a:p>
-            <a:endParaRPr lang="en-CA" dirty="0"/>
-          </a:p>
-        </p:txBody>
-      </p:sp>
+            <a:pPr algn="ctr"/>
+            <a:endParaRPr lang="en-US"/>
+          </a:p>
+        </p:txBody>
+      </p:sp>
+      <p:pic>
+        <p:nvPicPr>
+          <p:cNvPr id="3" name="Picture 2">
+            <a:extLst>
+              <a:ext uri="{FF2B5EF4-FFF2-40B4-BE49-F238E27FC236}">
+                <a16:creationId xmlns:a16="http://schemas.microsoft.com/office/drawing/2014/main" id="{E70BF35A-069D-412A-80B4-212F77D563CC}"/>
+              </a:ext>
+            </a:extLst>
+          </p:cNvPr>
+          <p:cNvPicPr>
+            <a:picLocks noChangeAspect="1"/>
+          </p:cNvPicPr>
+          <p:nvPr/>
+        </p:nvPicPr>
+        <p:blipFill>
+          <a:blip r:embed="rId4"/>
+          <a:stretch>
+            <a:fillRect/>
+          </a:stretch>
+        </p:blipFill>
+        <p:spPr>
+          <a:xfrm>
+            <a:off x="5560759" y="609600"/>
+            <a:ext cx="5724779" cy="5638800"/>
+          </a:xfrm>
+          <a:prstGeom prst="rect">
+            <a:avLst/>
+          </a:prstGeom>
+        </p:spPr>
+      </p:pic>
     </p:spTree>
     <p:extLst>
       <p:ext uri="{BB962C8B-B14F-4D97-AF65-F5344CB8AC3E}">
-        <p14:creationId xmlns:p14="http://schemas.microsoft.com/office/powerpoint/2010/main" val="879669480"/>
+        <p14:creationId xmlns:p14="http://schemas.microsoft.com/office/powerpoint/2010/main" val="1805626447"/>
       </p:ext>
     </p:extLst>
   </p:cSld>
@@ -8527,6 +8803,301 @@
   <a:extLst>
     <a:ext uri="{05A4C25C-085E-4340-85A3-A5531E510DB2}">
       <thm15:themeFamily xmlns:thm15="http://schemas.microsoft.com/office/thememl/2012/main" name="SlateVTI" id="{35C4A07C-0176-4A32-9BCB-B016516853F0}" vid="{9B70D35C-BCA8-4715-BB49-8BE54A7FC07C}"/>
+    </a:ext>
+  </a:extLst>
+</a:theme>
+</file>
+
+<file path=ppt/theme/theme2.xml><?xml version="1.0" encoding="utf-8"?>
+<a:theme xmlns:a="http://schemas.openxmlformats.org/drawingml/2006/main" name="Office Theme">
+  <a:themeElements>
+    <a:clrScheme name="Office">
+      <a:dk1>
+        <a:sysClr val="windowText" lastClr="000000"/>
+      </a:dk1>
+      <a:lt1>
+        <a:sysClr val="window" lastClr="FFFFFF"/>
+      </a:lt1>
+      <a:dk2>
+        <a:srgbClr val="44546A"/>
+      </a:dk2>
+      <a:lt2>
+        <a:srgbClr val="E7E6E6"/>
+      </a:lt2>
+      <a:accent1>
+        <a:srgbClr val="4472C4"/>
+      </a:accent1>
+      <a:accent2>
+        <a:srgbClr val="ED7D31"/>
+      </a:accent2>
+      <a:accent3>
+        <a:srgbClr val="A5A5A5"/>
+      </a:accent3>
+      <a:accent4>
+        <a:srgbClr val="FFC000"/>
+      </a:accent4>
+      <a:accent5>
+        <a:srgbClr val="5B9BD5"/>
+      </a:accent5>
+      <a:accent6>
+        <a:srgbClr val="70AD47"/>
+      </a:accent6>
+      <a:hlink>
+        <a:srgbClr val="0563C1"/>
+      </a:hlink>
+      <a:folHlink>
+        <a:srgbClr val="954F72"/>
+      </a:folHlink>
+    </a:clrScheme>
+    <a:fontScheme name="Office">
+      <a:majorFont>
+        <a:latin typeface="Calibri Light" panose="020F0302020204030204"/>
+        <a:ea typeface=""/>
+        <a:cs typeface=""/>
+        <a:font script="Jpan" typeface="游ゴシック Light"/>
+        <a:font script="Hang" typeface="맑은 고딕"/>
+        <a:font script="Hans" typeface="等线 Light"/>
+        <a:font script="Hant" typeface="新細明體"/>
+        <a:font script="Arab" typeface="Times New Roman"/>
+        <a:font script="Hebr" typeface="Times New Roman"/>
+        <a:font script="Thai" typeface="Angsana New"/>
+        <a:font script="Ethi" typeface="Nyala"/>
+        <a:font script="Beng" typeface="Vrinda"/>
+        <a:font script="Gujr" typeface="Shruti"/>
+        <a:font script="Khmr" typeface="MoolBoran"/>
+        <a:font script="Knda" typeface="Tunga"/>
+        <a:font script="Guru" typeface="Raavi"/>
+        <a:font script="Cans" typeface="Euphemia"/>
+        <a:font script="Cher" typeface="Plantagenet Cherokee"/>
+        <a:font script="Yiii" typeface="Microsoft Yi Baiti"/>
+        <a:font script="Tibt" typeface="Microsoft Himalaya"/>
+        <a:font script="Thaa" typeface="MV Boli"/>
+        <a:font script="Deva" typeface="Mangal"/>
+        <a:font script="Telu" typeface="Gautami"/>
+        <a:font script="Taml" typeface="Latha"/>
+        <a:font script="Syrc" typeface="Estrangelo Edessa"/>
+        <a:font script="Orya" typeface="Kalinga"/>
+        <a:font script="Mlym" typeface="Kartika"/>
+        <a:font script="Laoo" typeface="DokChampa"/>
+        <a:font script="Sinh" typeface="Iskoola Pota"/>
+        <a:font script="Mong" typeface="Mongolian Baiti"/>
+        <a:font script="Viet" typeface="Times New Roman"/>
+        <a:font script="Uigh" typeface="Microsoft Uighur"/>
+        <a:font script="Geor" typeface="Sylfaen"/>
+        <a:font script="Armn" typeface="Arial"/>
+        <a:font script="Bugi" typeface="Leelawadee UI"/>
+        <a:font script="Bopo" typeface="Microsoft JhengHei"/>
+        <a:font script="Java" typeface="Javanese Text"/>
+        <a:font script="Lisu" typeface="Segoe UI"/>
+        <a:font script="Mymr" typeface="Myanmar Text"/>
+        <a:font script="Nkoo" typeface="Ebrima"/>
+        <a:font script="Olck" typeface="Nirmala UI"/>
+        <a:font script="Osma" typeface="Ebrima"/>
+        <a:font script="Phag" typeface="Phagspa"/>
+        <a:font script="Syrn" typeface="Estrangelo Edessa"/>
+        <a:font script="Syrj" typeface="Estrangelo Edessa"/>
+        <a:font script="Syre" typeface="Estrangelo Edessa"/>
+        <a:font script="Sora" typeface="Nirmala UI"/>
+        <a:font script="Tale" typeface="Microsoft Tai Le"/>
+        <a:font script="Talu" typeface="Microsoft New Tai Lue"/>
+        <a:font script="Tfng" typeface="Ebrima"/>
+      </a:majorFont>
+      <a:minorFont>
+        <a:latin typeface="Calibri" panose="020F0502020204030204"/>
+        <a:ea typeface=""/>
+        <a:cs typeface=""/>
+        <a:font script="Jpan" typeface="游ゴシック"/>
+        <a:font script="Hang" typeface="맑은 고딕"/>
+        <a:font script="Hans" typeface="等线"/>
+        <a:font script="Hant" typeface="新細明體"/>
+        <a:font script="Arab" typeface="Arial"/>
+        <a:font script="Hebr" typeface="Arial"/>
+        <a:font script="Thai" typeface="Cordia New"/>
+        <a:font script="Ethi" typeface="Nyala"/>
+        <a:font script="Beng" typeface="Vrinda"/>
+        <a:font script="Gujr" typeface="Shruti"/>
+        <a:font script="Khmr" typeface="DaunPenh"/>
+        <a:font script="Knda" typeface="Tunga"/>
+        <a:font script="Guru" typeface="Raavi"/>
+        <a:font script="Cans" typeface="Euphemia"/>
+        <a:font script="Cher" typeface="Plantagenet Cherokee"/>
+        <a:font script="Yiii" typeface="Microsoft Yi Baiti"/>
+        <a:font script="Tibt" typeface="Microsoft Himalaya"/>
+        <a:font script="Thaa" typeface="MV Boli"/>
+        <a:font script="Deva" typeface="Mangal"/>
+        <a:font script="Telu" typeface="Gautami"/>
+        <a:font script="Taml" typeface="Latha"/>
+        <a:font script="Syrc" typeface="Estrangelo Edessa"/>
+        <a:font script="Orya" typeface="Kalinga"/>
+        <a:font script="Mlym" typeface="Kartika"/>
+        <a:font script="Laoo" typeface="DokChampa"/>
+        <a:font script="Sinh" typeface="Iskoola Pota"/>
+        <a:font script="Mong" typeface="Mongolian Baiti"/>
+        <a:font script="Viet" typeface="Arial"/>
+        <a:font script="Uigh" typeface="Microsoft Uighur"/>
+        <a:font script="Geor" typeface="Sylfaen"/>
+        <a:font script="Armn" typeface="Arial"/>
+        <a:font script="Bugi" typeface="Leelawadee UI"/>
+        <a:font script="Bopo" typeface="Microsoft JhengHei"/>
+        <a:font script="Java" typeface="Javanese Text"/>
+        <a:font script="Lisu" typeface="Segoe UI"/>
+        <a:font script="Mymr" typeface="Myanmar Text"/>
+        <a:font script="Nkoo" typeface="Ebrima"/>
+        <a:font script="Olck" typeface="Nirmala UI"/>
+        <a:font script="Osma" typeface="Ebrima"/>
+        <a:font script="Phag" typeface="Phagspa"/>
+        <a:font script="Syrn" typeface="Estrangelo Edessa"/>
+        <a:font script="Syrj" typeface="Estrangelo Edessa"/>
+        <a:font script="Syre" typeface="Estrangelo Edessa"/>
+        <a:font script="Sora" typeface="Nirmala UI"/>
+        <a:font script="Tale" typeface="Microsoft Tai Le"/>
+        <a:font script="Talu" typeface="Microsoft New Tai Lue"/>
+        <a:font script="Tfng" typeface="Ebrima"/>
+      </a:minorFont>
+    </a:fontScheme>
+    <a:fmtScheme name="Office">
+      <a:fillStyleLst>
+        <a:solidFill>
+          <a:schemeClr val="phClr"/>
+        </a:solidFill>
+        <a:gradFill rotWithShape="1">
+          <a:gsLst>
+            <a:gs pos="0">
+              <a:schemeClr val="phClr">
+                <a:lumMod val="110000"/>
+                <a:satMod val="105000"/>
+                <a:tint val="67000"/>
+              </a:schemeClr>
+            </a:gs>
+            <a:gs pos="50000">
+              <a:schemeClr val="phClr">
+                <a:lumMod val="105000"/>
+                <a:satMod val="103000"/>
+                <a:tint val="73000"/>
+              </a:schemeClr>
+            </a:gs>
+            <a:gs pos="100000">
+              <a:schemeClr val="phClr">
+                <a:lumMod val="105000"/>
+                <a:satMod val="109000"/>
+                <a:tint val="81000"/>
+              </a:schemeClr>
+            </a:gs>
+          </a:gsLst>
+          <a:lin ang="5400000" scaled="0"/>
+        </a:gradFill>
+        <a:gradFill rotWithShape="1">
+          <a:gsLst>
+            <a:gs pos="0">
+              <a:schemeClr val="phClr">
+                <a:satMod val="103000"/>
+                <a:lumMod val="102000"/>
+                <a:tint val="94000"/>
+              </a:schemeClr>
+            </a:gs>
+            <a:gs pos="50000">
+              <a:schemeClr val="phClr">
+                <a:satMod val="110000"/>
+                <a:lumMod val="100000"/>
+                <a:shade val="100000"/>
+              </a:schemeClr>
+            </a:gs>
+            <a:gs pos="100000">
+              <a:schemeClr val="phClr">
+                <a:lumMod val="99000"/>
+                <a:satMod val="120000"/>
+                <a:shade val="78000"/>
+              </a:schemeClr>
+            </a:gs>
+          </a:gsLst>
+          <a:lin ang="5400000" scaled="0"/>
+        </a:gradFill>
+      </a:fillStyleLst>
+      <a:lnStyleLst>
+        <a:ln w="6350" cap="flat" cmpd="sng" algn="ctr">
+          <a:solidFill>
+            <a:schemeClr val="phClr"/>
+          </a:solidFill>
+          <a:prstDash val="solid"/>
+          <a:miter lim="800000"/>
+        </a:ln>
+        <a:ln w="12700" cap="flat" cmpd="sng" algn="ctr">
+          <a:solidFill>
+            <a:schemeClr val="phClr"/>
+          </a:solidFill>
+          <a:prstDash val="solid"/>
+          <a:miter lim="800000"/>
+        </a:ln>
+        <a:ln w="19050" cap="flat" cmpd="sng" algn="ctr">
+          <a:solidFill>
+            <a:schemeClr val="phClr"/>
+          </a:solidFill>
+          <a:prstDash val="solid"/>
+          <a:miter lim="800000"/>
+        </a:ln>
+      </a:lnStyleLst>
+      <a:effectStyleLst>
+        <a:effectStyle>
+          <a:effectLst/>
+        </a:effectStyle>
+        <a:effectStyle>
+          <a:effectLst/>
+        </a:effectStyle>
+        <a:effectStyle>
+          <a:effectLst>
+            <a:outerShdw blurRad="57150" dist="19050" dir="5400000" algn="ctr" rotWithShape="0">
+              <a:srgbClr val="000000">
+                <a:alpha val="63000"/>
+              </a:srgbClr>
+            </a:outerShdw>
+          </a:effectLst>
+        </a:effectStyle>
+      </a:effectStyleLst>
+      <a:bgFillStyleLst>
+        <a:solidFill>
+          <a:schemeClr val="phClr"/>
+        </a:solidFill>
+        <a:solidFill>
+          <a:schemeClr val="phClr">
+            <a:tint val="95000"/>
+            <a:satMod val="170000"/>
+          </a:schemeClr>
+        </a:solidFill>
+        <a:gradFill rotWithShape="1">
+          <a:gsLst>
+            <a:gs pos="0">
+              <a:schemeClr val="phClr">
+                <a:tint val="93000"/>
+                <a:satMod val="150000"/>
+                <a:shade val="98000"/>
+                <a:lumMod val="102000"/>
+              </a:schemeClr>
+            </a:gs>
+            <a:gs pos="50000">
+              <a:schemeClr val="phClr">
+                <a:tint val="98000"/>
+                <a:satMod val="130000"/>
+                <a:shade val="90000"/>
+                <a:lumMod val="103000"/>
+              </a:schemeClr>
+            </a:gs>
+            <a:gs pos="100000">
+              <a:schemeClr val="phClr">
+                <a:shade val="63000"/>
+                <a:satMod val="120000"/>
+              </a:schemeClr>
+            </a:gs>
+          </a:gsLst>
+          <a:lin ang="5400000" scaled="0"/>
+        </a:gradFill>
+      </a:bgFillStyleLst>
+    </a:fmtScheme>
+  </a:themeElements>
+  <a:objectDefaults/>
+  <a:extraClrSchemeLst/>
+  <a:extLst>
+    <a:ext uri="{05A4C25C-085E-4340-85A3-A5531E510DB2}">
+      <thm15:themeFamily xmlns:thm15="http://schemas.microsoft.com/office/thememl/2012/main" name="Office Theme" id="{62F939B6-93AF-4DB8-9C6B-D6C7DFDC589F}" vid="{4A3C46E8-61CC-4603-A589-7422A47A8E4A}"/>
     </a:ext>
   </a:extLst>
 </a:theme>
